--- a/Final Project/Final_Presentation.pptx
+++ b/Final Project/Final_Presentation.pptx
@@ -14,10 +14,9 @@
     <p:sldId id="263" r:id="rId8"/>
     <p:sldId id="265" r:id="rId9"/>
     <p:sldId id="268" r:id="rId10"/>
-    <p:sldId id="266" r:id="rId11"/>
-    <p:sldId id="267" r:id="rId12"/>
-    <p:sldId id="264" r:id="rId13"/>
-    <p:sldId id="259" r:id="rId14"/>
+    <p:sldId id="267" r:id="rId11"/>
+    <p:sldId id="264" r:id="rId12"/>
+    <p:sldId id="259" r:id="rId13"/>
   </p:sldIdLst>
   <p:sldSz cx="12192000" cy="6858000"/>
   <p:notesSz cx="6858000" cy="9144000"/>
@@ -136,13 +135,13 @@
 <pc:chgInfo xmlns:a="http://schemas.openxmlformats.org/drawingml/2006/main" xmlns:r="http://schemas.openxmlformats.org/officeDocument/2006/relationships" xmlns:ac="http://schemas.microsoft.com/office/drawing/2013/main/command" xmlns:pc="http://schemas.microsoft.com/office/powerpoint/2013/main/command">
   <pc:docChgLst>
     <pc:chgData name="Casey Sobecks" userId="2125034943959768" providerId="LiveId" clId="{9EBF2499-94D7-47BE-8842-0021C0137779}"/>
-    <pc:docChg chg="undo custSel addSld modSld sldOrd">
-      <pc:chgData name="Casey Sobecks" userId="2125034943959768" providerId="LiveId" clId="{9EBF2499-94D7-47BE-8842-0021C0137779}" dt="2021-05-04T03:32:24.293" v="2980" actId="20577"/>
+    <pc:docChg chg="undo custSel addSld delSld modSld sldOrd">
+      <pc:chgData name="Casey Sobecks" userId="2125034943959768" providerId="LiveId" clId="{9EBF2499-94D7-47BE-8842-0021C0137779}" dt="2021-05-04T17:14:03.029" v="2996" actId="2696"/>
       <pc:docMkLst>
         <pc:docMk/>
       </pc:docMkLst>
       <pc:sldChg chg="modSp mod">
-        <pc:chgData name="Casey Sobecks" userId="2125034943959768" providerId="LiveId" clId="{9EBF2499-94D7-47BE-8842-0021C0137779}" dt="2021-05-03T18:07:38.278" v="90" actId="20577"/>
+        <pc:chgData name="Casey Sobecks" userId="2125034943959768" providerId="LiveId" clId="{9EBF2499-94D7-47BE-8842-0021C0137779}" dt="2021-05-04T17:13:10.201" v="2988" actId="12"/>
         <pc:sldMkLst>
           <pc:docMk/>
           <pc:sldMk cId="2977852867" sldId="257"/>
@@ -156,7 +155,7 @@
           </ac:spMkLst>
         </pc:spChg>
         <pc:spChg chg="mod">
-          <ac:chgData name="Casey Sobecks" userId="2125034943959768" providerId="LiveId" clId="{9EBF2499-94D7-47BE-8842-0021C0137779}" dt="2021-05-03T18:07:38.278" v="90" actId="20577"/>
+          <ac:chgData name="Casey Sobecks" userId="2125034943959768" providerId="LiveId" clId="{9EBF2499-94D7-47BE-8842-0021C0137779}" dt="2021-05-04T17:13:10.201" v="2988" actId="12"/>
           <ac:spMkLst>
             <pc:docMk/>
             <pc:sldMk cId="2977852867" sldId="257"/>
@@ -250,7 +249,7 @@
         </pc:picChg>
       </pc:sldChg>
       <pc:sldChg chg="addSp delSp modSp new mod ord modClrScheme chgLayout">
-        <pc:chgData name="Casey Sobecks" userId="2125034943959768" providerId="LiveId" clId="{9EBF2499-94D7-47BE-8842-0021C0137779}" dt="2021-05-03T18:53:20.365" v="1758" actId="1076"/>
+        <pc:chgData name="Casey Sobecks" userId="2125034943959768" providerId="LiveId" clId="{9EBF2499-94D7-47BE-8842-0021C0137779}" dt="2021-05-04T17:02:36.680" v="2985" actId="1076"/>
         <pc:sldMkLst>
           <pc:docMk/>
           <pc:sldMk cId="3603505111" sldId="261"/>
@@ -295,6 +294,14 @@
             <ac:spMk id="12" creationId="{E1719498-11AE-4D85-B790-A080B5544995}"/>
           </ac:spMkLst>
         </pc:spChg>
+        <pc:picChg chg="add mod">
+          <ac:chgData name="Casey Sobecks" userId="2125034943959768" providerId="LiveId" clId="{9EBF2499-94D7-47BE-8842-0021C0137779}" dt="2021-05-04T17:02:36.680" v="2985" actId="1076"/>
+          <ac:picMkLst>
+            <pc:docMk/>
+            <pc:sldMk cId="3603505111" sldId="261"/>
+            <ac:picMk id="6" creationId="{978D6E2E-6BC1-43DD-AFAC-C5A8661A9736}"/>
+          </ac:picMkLst>
+        </pc:picChg>
         <pc:picChg chg="add mod">
           <ac:chgData name="Casey Sobecks" userId="2125034943959768" providerId="LiveId" clId="{9EBF2499-94D7-47BE-8842-0021C0137779}" dt="2021-05-03T18:30:41.400" v="918" actId="14100"/>
           <ac:picMkLst>
@@ -400,7 +407,7 @@
         </pc:picChg>
       </pc:sldChg>
       <pc:sldChg chg="addSp delSp modSp new mod ord">
-        <pc:chgData name="Casey Sobecks" userId="2125034943959768" providerId="LiveId" clId="{9EBF2499-94D7-47BE-8842-0021C0137779}" dt="2021-05-03T18:49:10.528" v="1500" actId="20577"/>
+        <pc:chgData name="Casey Sobecks" userId="2125034943959768" providerId="LiveId" clId="{9EBF2499-94D7-47BE-8842-0021C0137779}" dt="2021-05-04T16:48:06.226" v="2981" actId="1076"/>
         <pc:sldMkLst>
           <pc:docMk/>
           <pc:sldMk cId="3956762235" sldId="263"/>
@@ -446,7 +453,7 @@
           </ac:picMkLst>
         </pc:picChg>
         <pc:picChg chg="add mod">
-          <ac:chgData name="Casey Sobecks" userId="2125034943959768" providerId="LiveId" clId="{9EBF2499-94D7-47BE-8842-0021C0137779}" dt="2021-05-03T18:44:21.382" v="1243" actId="1076"/>
+          <ac:chgData name="Casey Sobecks" userId="2125034943959768" providerId="LiveId" clId="{9EBF2499-94D7-47BE-8842-0021C0137779}" dt="2021-05-04T16:48:06.226" v="2981" actId="1076"/>
           <ac:picMkLst>
             <pc:docMk/>
             <pc:sldMk cId="3956762235" sldId="263"/>
@@ -572,8 +579,8 @@
           </ac:picMkLst>
         </pc:picChg>
       </pc:sldChg>
-      <pc:sldChg chg="addSp delSp modSp new mod">
-        <pc:chgData name="Casey Sobecks" userId="2125034943959768" providerId="LiveId" clId="{9EBF2499-94D7-47BE-8842-0021C0137779}" dt="2021-05-04T02:54:46.954" v="2837" actId="1076"/>
+      <pc:sldChg chg="addSp delSp modSp new del mod">
+        <pc:chgData name="Casey Sobecks" userId="2125034943959768" providerId="LiveId" clId="{9EBF2499-94D7-47BE-8842-0021C0137779}" dt="2021-05-04T17:14:03.029" v="2996" actId="2696"/>
         <pc:sldMkLst>
           <pc:docMk/>
           <pc:sldMk cId="3025612787" sldId="266"/>
@@ -620,7 +627,7 @@
         </pc:picChg>
       </pc:sldChg>
       <pc:sldChg chg="addSp delSp modSp new mod">
-        <pc:chgData name="Casey Sobecks" userId="2125034943959768" providerId="LiveId" clId="{9EBF2499-94D7-47BE-8842-0021C0137779}" dt="2021-05-04T03:32:24.293" v="2980" actId="20577"/>
+        <pc:chgData name="Casey Sobecks" userId="2125034943959768" providerId="LiveId" clId="{9EBF2499-94D7-47BE-8842-0021C0137779}" dt="2021-05-04T17:13:42.732" v="2995" actId="20577"/>
         <pc:sldMkLst>
           <pc:docMk/>
           <pc:sldMk cId="792463709" sldId="267"/>
@@ -634,7 +641,7 @@
           </ac:spMkLst>
         </pc:spChg>
         <pc:spChg chg="mod">
-          <ac:chgData name="Casey Sobecks" userId="2125034943959768" providerId="LiveId" clId="{9EBF2499-94D7-47BE-8842-0021C0137779}" dt="2021-05-04T03:32:24.293" v="2980" actId="20577"/>
+          <ac:chgData name="Casey Sobecks" userId="2125034943959768" providerId="LiveId" clId="{9EBF2499-94D7-47BE-8842-0021C0137779}" dt="2021-05-04T17:13:42.732" v="2995" actId="20577"/>
           <ac:spMkLst>
             <pc:docMk/>
             <pc:sldMk cId="792463709" sldId="267"/>
@@ -878,7 +885,7 @@
           <a:p>
             <a:fld id="{F098154D-938E-4AD0-9E30-4AE19D820FAA}" type="datetimeFigureOut">
               <a:rPr lang="en-US" smtClean="0"/>
-              <a:t>5/3/2021</a:t>
+              <a:t>5/4/2021</a:t>
             </a:fld>
             <a:endParaRPr lang="en-US"/>
           </a:p>
@@ -1106,7 +1113,7 @@
           <a:p>
             <a:fld id="{F098154D-938E-4AD0-9E30-4AE19D820FAA}" type="datetimeFigureOut">
               <a:rPr lang="en-US" smtClean="0"/>
-              <a:t>5/3/2021</a:t>
+              <a:t>5/4/2021</a:t>
             </a:fld>
             <a:endParaRPr lang="en-US"/>
           </a:p>
@@ -1286,7 +1293,7 @@
           <a:p>
             <a:fld id="{F098154D-938E-4AD0-9E30-4AE19D820FAA}" type="datetimeFigureOut">
               <a:rPr lang="en-US" smtClean="0"/>
-              <a:t>5/3/2021</a:t>
+              <a:t>5/4/2021</a:t>
             </a:fld>
             <a:endParaRPr lang="en-US"/>
           </a:p>
@@ -1456,7 +1463,7 @@
           <a:p>
             <a:fld id="{F098154D-938E-4AD0-9E30-4AE19D820FAA}" type="datetimeFigureOut">
               <a:rPr lang="en-US" smtClean="0"/>
-              <a:t>5/3/2021</a:t>
+              <a:t>5/4/2021</a:t>
             </a:fld>
             <a:endParaRPr lang="en-US"/>
           </a:p>
@@ -1710,7 +1717,7 @@
           <a:p>
             <a:fld id="{F098154D-938E-4AD0-9E30-4AE19D820FAA}" type="datetimeFigureOut">
               <a:rPr lang="en-US" smtClean="0"/>
-              <a:t>5/3/2021</a:t>
+              <a:t>5/4/2021</a:t>
             </a:fld>
             <a:endParaRPr lang="en-US"/>
           </a:p>
@@ -2036,7 +2043,7 @@
           <a:p>
             <a:fld id="{F098154D-938E-4AD0-9E30-4AE19D820FAA}" type="datetimeFigureOut">
               <a:rPr lang="en-US" smtClean="0"/>
-              <a:t>5/3/2021</a:t>
+              <a:t>5/4/2021</a:t>
             </a:fld>
             <a:endParaRPr lang="en-US"/>
           </a:p>
@@ -2487,7 +2494,7 @@
           <a:p>
             <a:fld id="{F098154D-938E-4AD0-9E30-4AE19D820FAA}" type="datetimeFigureOut">
               <a:rPr lang="en-US" smtClean="0"/>
-              <a:t>5/3/2021</a:t>
+              <a:t>5/4/2021</a:t>
             </a:fld>
             <a:endParaRPr lang="en-US"/>
           </a:p>
@@ -2605,7 +2612,7 @@
           <a:p>
             <a:fld id="{F098154D-938E-4AD0-9E30-4AE19D820FAA}" type="datetimeFigureOut">
               <a:rPr lang="en-US" smtClean="0"/>
-              <a:t>5/3/2021</a:t>
+              <a:t>5/4/2021</a:t>
             </a:fld>
             <a:endParaRPr lang="en-US"/>
           </a:p>
@@ -2700,7 +2707,7 @@
           <a:p>
             <a:fld id="{F098154D-938E-4AD0-9E30-4AE19D820FAA}" type="datetimeFigureOut">
               <a:rPr lang="en-US" smtClean="0"/>
-              <a:t>5/3/2021</a:t>
+              <a:t>5/4/2021</a:t>
             </a:fld>
             <a:endParaRPr lang="en-US"/>
           </a:p>
@@ -2987,7 +2994,7 @@
           <a:p>
             <a:fld id="{F098154D-938E-4AD0-9E30-4AE19D820FAA}" type="datetimeFigureOut">
               <a:rPr lang="en-US" smtClean="0"/>
-              <a:t>5/3/2021</a:t>
+              <a:t>5/4/2021</a:t>
             </a:fld>
             <a:endParaRPr lang="en-US"/>
           </a:p>
@@ -3309,7 +3316,7 @@
           <a:p>
             <a:fld id="{F098154D-938E-4AD0-9E30-4AE19D820FAA}" type="datetimeFigureOut">
               <a:rPr lang="en-US" smtClean="0"/>
-              <a:t>5/3/2021</a:t>
+              <a:t>5/4/2021</a:t>
             </a:fld>
             <a:endParaRPr lang="en-US"/>
           </a:p>
@@ -3563,7 +3570,7 @@
           <a:p>
             <a:fld id="{F098154D-938E-4AD0-9E30-4AE19D820FAA}" type="datetimeFigureOut">
               <a:rPr lang="en-US" smtClean="0"/>
-              <a:t>5/3/2021</a:t>
+              <a:t>5/4/2021</a:t>
             </a:fld>
             <a:endParaRPr lang="en-US"/>
           </a:p>
@@ -4142,154 +4149,6 @@
           <p:cNvPr id="2" name="Title 1">
             <a:extLst>
               <a:ext uri="{FF2B5EF4-FFF2-40B4-BE49-F238E27FC236}">
-                <a16:creationId xmlns:a16="http://schemas.microsoft.com/office/drawing/2014/main" id="{7D9AEEEC-CE59-4B25-A06D-9AF219676E37}"/>
-              </a:ext>
-            </a:extLst>
-          </p:cNvPr>
-          <p:cNvSpPr>
-            <a:spLocks noGrp="1"/>
-          </p:cNvSpPr>
-          <p:nvPr>
-            <p:ph type="title"/>
-          </p:nvPr>
-        </p:nvSpPr>
-        <p:spPr/>
-        <p:txBody>
-          <a:bodyPr/>
-          <a:lstStyle/>
-          <a:p>
-            <a:r>
-              <a:rPr lang="en-US" dirty="0"/>
-              <a:t>Benchmarking</a:t>
-            </a:r>
-          </a:p>
-        </p:txBody>
-      </p:sp>
-      <p:sp>
-        <p:nvSpPr>
-          <p:cNvPr id="3" name="Content Placeholder 2">
-            <a:extLst>
-              <a:ext uri="{FF2B5EF4-FFF2-40B4-BE49-F238E27FC236}">
-                <a16:creationId xmlns:a16="http://schemas.microsoft.com/office/drawing/2014/main" id="{26D6A097-F4DA-4E7B-A02B-0D1CE3418661}"/>
-              </a:ext>
-            </a:extLst>
-          </p:cNvPr>
-          <p:cNvSpPr>
-            <a:spLocks noGrp="1"/>
-          </p:cNvSpPr>
-          <p:nvPr>
-            <p:ph idx="1"/>
-          </p:nvPr>
-        </p:nvSpPr>
-        <p:spPr/>
-        <p:txBody>
-          <a:bodyPr/>
-          <a:lstStyle/>
-          <a:p>
-            <a:r>
-              <a:rPr lang="en-US" dirty="0"/>
-              <a:t>Exact energy found to be (-2.127+0j) [3]</a:t>
-            </a:r>
-          </a:p>
-          <a:p>
-            <a:r>
-              <a:rPr lang="en-US" dirty="0"/>
-              <a:t>This puts the relative error at a minimum of 0.065</a:t>
-            </a:r>
-          </a:p>
-          <a:p>
-            <a:r>
-              <a:rPr lang="en-US" dirty="0"/>
-              <a:t>The code used took too long at N=14, so opted for N=12</a:t>
-            </a:r>
-          </a:p>
-          <a:p>
-            <a:pPr lvl="1"/>
-            <a:r>
-              <a:rPr lang="en-US" dirty="0"/>
-              <a:t>Output:</a:t>
-            </a:r>
-          </a:p>
-          <a:p>
-            <a:pPr lvl="1"/>
-            <a:endParaRPr lang="en-US" dirty="0"/>
-          </a:p>
-          <a:p>
-            <a:pPr marL="0" indent="0">
-              <a:buNone/>
-            </a:pPr>
-            <a:r>
-              <a:rPr lang="en-US" dirty="0"/>
-              <a:t> </a:t>
-            </a:r>
-          </a:p>
-        </p:txBody>
-      </p:sp>
-      <p:pic>
-        <p:nvPicPr>
-          <p:cNvPr id="7" name="Picture 6">
-            <a:extLst>
-              <a:ext uri="{FF2B5EF4-FFF2-40B4-BE49-F238E27FC236}">
-                <a16:creationId xmlns:a16="http://schemas.microsoft.com/office/drawing/2014/main" id="{B16485B2-B509-4B63-87E8-1E3A87A637FF}"/>
-              </a:ext>
-            </a:extLst>
-          </p:cNvPr>
-          <p:cNvPicPr>
-            <a:picLocks noChangeAspect="1"/>
-          </p:cNvPicPr>
-          <p:nvPr/>
-        </p:nvPicPr>
-        <p:blipFill>
-          <a:blip r:embed="rId2"/>
-          <a:stretch>
-            <a:fillRect/>
-          </a:stretch>
-        </p:blipFill>
-        <p:spPr>
-          <a:xfrm>
-            <a:off x="2686705" y="3134643"/>
-            <a:ext cx="3583035" cy="588714"/>
-          </a:xfrm>
-          <a:prstGeom prst="rect">
-            <a:avLst/>
-          </a:prstGeom>
-        </p:spPr>
-      </p:pic>
-    </p:spTree>
-    <p:extLst>
-      <p:ext uri="{BB962C8B-B14F-4D97-AF65-F5344CB8AC3E}">
-        <p14:creationId xmlns:p14="http://schemas.microsoft.com/office/powerpoint/2010/main" val="3025612787"/>
-      </p:ext>
-    </p:extLst>
-  </p:cSld>
-  <p:clrMapOvr>
-    <a:masterClrMapping/>
-  </p:clrMapOvr>
-</p:sld>
-</file>
-
-<file path=ppt/slides/slide11.xml><?xml version="1.0" encoding="utf-8"?>
-<p:sld xmlns:a="http://schemas.openxmlformats.org/drawingml/2006/main" xmlns:r="http://schemas.openxmlformats.org/officeDocument/2006/relationships" xmlns:p="http://schemas.openxmlformats.org/presentationml/2006/main">
-  <p:cSld>
-    <p:spTree>
-      <p:nvGrpSpPr>
-        <p:cNvPr id="1" name=""/>
-        <p:cNvGrpSpPr/>
-        <p:nvPr/>
-      </p:nvGrpSpPr>
-      <p:grpSpPr>
-        <a:xfrm>
-          <a:off x="0" y="0"/>
-          <a:ext cx="0" cy="0"/>
-          <a:chOff x="0" y="0"/>
-          <a:chExt cx="0" cy="0"/>
-        </a:xfrm>
-      </p:grpSpPr>
-      <p:sp>
-        <p:nvSpPr>
-          <p:cNvPr id="2" name="Title 1">
-            <a:extLst>
-              <a:ext uri="{FF2B5EF4-FFF2-40B4-BE49-F238E27FC236}">
                 <a16:creationId xmlns:a16="http://schemas.microsoft.com/office/drawing/2014/main" id="{7C5464D3-AB53-4698-B046-0792FAE34CCC}"/>
               </a:ext>
             </a:extLst>
@@ -4332,7 +4191,7 @@
         <p:spPr>
           <a:xfrm>
             <a:off x="1261872" y="1828800"/>
-            <a:ext cx="3964469" cy="4351337"/>
+            <a:ext cx="3637005" cy="4351337"/>
           </a:xfrm>
         </p:spPr>
         <p:txBody>
@@ -4353,6 +4212,12 @@
           <a:p>
             <a:r>
               <a:rPr lang="en-US" dirty="0"/>
+              <a:t>Exact energy found to be (-2.127+0j) [3]</a:t>
+            </a:r>
+          </a:p>
+          <a:p>
+            <a:r>
+              <a:rPr lang="en-US" dirty="0"/>
               <a:t>Relative error ≈ 0.065+0j</a:t>
             </a:r>
           </a:p>
@@ -4375,15 +4240,7 @@
             </a:r>
             <a:r>
               <a:rPr lang="en-US" dirty="0"/>
-              <a:t>); setting E/N to starting value; using a variable learning </a:t>
-            </a:r>
-            <a:r>
-              <a:rPr lang="en-US"/>
-              <a:t>rate; letting </a:t>
-            </a:r>
-            <a:r>
-              <a:rPr lang="en-US" dirty="0"/>
-              <a:t>code run longer;</a:t>
+              <a:t>); setting E/N to starting value; using a variable learning rate; letting code run longer;</a:t>
             </a:r>
           </a:p>
         </p:txBody>
@@ -4461,7 +4318,7 @@
 </p:sld>
 </file>
 
-<file path=ppt/slides/slide12.xml><?xml version="1.0" encoding="utf-8"?>
+<file path=ppt/slides/slide11.xml><?xml version="1.0" encoding="utf-8"?>
 <p:sld xmlns:a="http://schemas.openxmlformats.org/drawingml/2006/main" xmlns:r="http://schemas.openxmlformats.org/officeDocument/2006/relationships" xmlns:p="http://schemas.openxmlformats.org/presentationml/2006/main">
   <p:cSld>
     <p:spTree>
@@ -4547,7 +4404,7 @@
 </p:sld>
 </file>
 
-<file path=ppt/slides/slide13.xml><?xml version="1.0" encoding="utf-8"?>
+<file path=ppt/slides/slide12.xml><?xml version="1.0" encoding="utf-8"?>
 <p:sld xmlns:a="http://schemas.openxmlformats.org/drawingml/2006/main" xmlns:r="http://schemas.openxmlformats.org/officeDocument/2006/relationships" xmlns:p="http://schemas.openxmlformats.org/presentationml/2006/main">
   <p:cSld>
     <p:spTree>
@@ -4797,16 +4654,6 @@
             <a:r>
               <a:rPr lang="en-US" dirty="0"/>
               <a:t>Model/Implementation</a:t>
-            </a:r>
-          </a:p>
-          <a:p>
-            <a:pPr marL="342900" indent="-342900">
-              <a:buFont typeface="+mj-lt"/>
-              <a:buAutoNum type="arabicPeriod"/>
-            </a:pPr>
-            <a:r>
-              <a:rPr lang="en-US" dirty="0"/>
-              <a:t>Benchmarking</a:t>
             </a:r>
           </a:p>
           <a:p>
@@ -5575,6 +5422,36 @@
           </a:p>
         </p:txBody>
       </p:sp>
+      <p:pic>
+        <p:nvPicPr>
+          <p:cNvPr id="6" name="Picture 5">
+            <a:extLst>
+              <a:ext uri="{FF2B5EF4-FFF2-40B4-BE49-F238E27FC236}">
+                <a16:creationId xmlns:a16="http://schemas.microsoft.com/office/drawing/2014/main" id="{978D6E2E-6BC1-43DD-AFAC-C5A8661A9736}"/>
+              </a:ext>
+            </a:extLst>
+          </p:cNvPr>
+          <p:cNvPicPr>
+            <a:picLocks noChangeAspect="1"/>
+          </p:cNvPicPr>
+          <p:nvPr/>
+        </p:nvPicPr>
+        <p:blipFill>
+          <a:blip r:embed="rId5"/>
+          <a:stretch>
+            <a:fillRect/>
+          </a:stretch>
+        </p:blipFill>
+        <p:spPr>
+          <a:xfrm>
+            <a:off x="7073312" y="3481949"/>
+            <a:ext cx="3407407" cy="2867365"/>
+          </a:xfrm>
+          <a:prstGeom prst="rect">
+            <a:avLst/>
+          </a:prstGeom>
+        </p:spPr>
+      </p:pic>
     </p:spTree>
     <p:extLst>
       <p:ext uri="{BB962C8B-B14F-4D97-AF65-F5344CB8AC3E}">
@@ -5773,7 +5650,7 @@
         </p:blipFill>
         <p:spPr>
           <a:xfrm>
-            <a:off x="4921166" y="2128690"/>
+            <a:off x="4912777" y="2061730"/>
             <a:ext cx="2057150" cy="690318"/>
           </a:xfrm>
           <a:prstGeom prst="rect">
